--- a/presentacion.pptx
+++ b/presentacion.pptx
@@ -7171,7 +7171,7 @@
           <a:lstStyle/>
           <a:p>
             <a:r>
-              <a:rPr lang="es-AR" smtClean="0"/>
+              <a:rPr lang="es-AR" dirty="0" err="1" smtClean="0"/>
               <a:t>Scatterplots</a:t>
             </a:r>
             <a:endParaRPr lang="es-AR" dirty="0"/>
